--- a/1. Documents/설계/메뉴 구성도_v1.0_20250323.pptx
+++ b/1. Documents/설계/메뉴 구성도_v1.0_20250323.pptx
@@ -10,7 +10,7 @@
   <p:sldIdLst>
     <p:sldId id="256" r:id="rId2"/>
     <p:sldId id="257" r:id="rId3"/>
-    <p:sldId id="258" r:id="rId4"/>
+    <p:sldId id="259" r:id="rId4"/>
   </p:sldIdLst>
   <p:sldSz cx="18288000" cy="10287000"/>
   <p:notesSz cx="6858000" cy="9144000"/>
@@ -225,7 +225,7 @@
           <a:p>
             <a:fld id="{14DBD2BB-E2D8-405C-BCA8-2EA157731E8F}" type="datetimeFigureOut">
               <a:rPr lang="ko-KR" altLang="en-US" smtClean="0"/>
-              <a:t>2025-03-23</a:t>
+              <a:t>2025-03-30</a:t>
             </a:fld>
             <a:endParaRPr lang="ko-KR" altLang="en-US"/>
           </a:p>
@@ -1478,7 +1478,10 @@
           <a:bodyPr/>
           <a:lstStyle/>
           <a:p>
-            <a:endParaRPr lang="ko-KR" altLang="en-US" dirty="0"/>
+            <a:r>
+              <a:rPr lang="ko-KR" altLang="en-US" dirty="0"/>
+              <a:t>메뉴 구성도</a:t>
+            </a:r>
           </a:p>
         </p:txBody>
       </p:sp>
@@ -1563,39 +1566,1108 @@
           <a:bodyPr/>
           <a:lstStyle/>
           <a:p>
-            <a:endParaRPr lang="ko-KR" altLang="en-US"/>
+            <a:r>
+              <a:rPr lang="ko-KR" altLang="en-US" dirty="0"/>
+              <a:t>메뉴 구성도</a:t>
+            </a:r>
           </a:p>
         </p:txBody>
       </p:sp>
       <p:sp>
         <p:nvSpPr>
-          <p:cNvPr id="3" name="텍스트 개체 틀 2">
-            <a:extLst>
-              <a:ext uri="{FF2B5EF4-FFF2-40B4-BE49-F238E27FC236}">
-                <a16:creationId xmlns:a16="http://schemas.microsoft.com/office/drawing/2014/main" id="{E0A4A782-FB42-AA85-308B-471290D1DD57}"/>
-              </a:ext>
-            </a:extLst>
-          </p:cNvPr>
-          <p:cNvSpPr>
-            <a:spLocks noGrp="1"/>
-          </p:cNvSpPr>
-          <p:nvPr>
-            <p:ph type="body" sz="quarter" idx="10"/>
-          </p:nvPr>
+          <p:cNvPr id="6" name="직사각형 5">
+            <a:extLst>
+              <a:ext uri="{FF2B5EF4-FFF2-40B4-BE49-F238E27FC236}">
+                <a16:creationId xmlns:a16="http://schemas.microsoft.com/office/drawing/2014/main" id="{12016DB6-E4BA-FB7A-282C-308D78E0984D}"/>
+              </a:ext>
+            </a:extLst>
+          </p:cNvPr>
+          <p:cNvSpPr/>
+          <p:nvPr/>
         </p:nvSpPr>
-        <p:spPr/>
+        <p:spPr>
+          <a:xfrm>
+            <a:off x="1560871" y="8267700"/>
+            <a:ext cx="1905000" cy="609600"/>
+          </a:xfrm>
+          <a:prstGeom prst="rect">
+            <a:avLst/>
+          </a:prstGeom>
+          <a:noFill/>
+        </p:spPr>
+        <p:style>
+          <a:lnRef idx="2">
+            <a:schemeClr val="accent1">
+              <a:shade val="15000"/>
+            </a:schemeClr>
+          </a:lnRef>
+          <a:fillRef idx="1">
+            <a:schemeClr val="accent1"/>
+          </a:fillRef>
+          <a:effectRef idx="0">
+            <a:schemeClr val="accent1"/>
+          </a:effectRef>
+          <a:fontRef idx="minor">
+            <a:schemeClr val="lt1"/>
+          </a:fontRef>
+        </p:style>
         <p:txBody>
-          <a:bodyPr/>
+          <a:bodyPr rtlCol="0" anchor="ctr"/>
           <a:lstStyle/>
           <a:p>
-            <a:endParaRPr lang="ko-KR" altLang="en-US"/>
+            <a:pPr algn="ctr"/>
+            <a:r>
+              <a:rPr lang="ko-KR" altLang="en-US" dirty="0">
+                <a:solidFill>
+                  <a:schemeClr val="tx1"/>
+                </a:solidFill>
+              </a:rPr>
+              <a:t>마이페이지</a:t>
+            </a:r>
+            <a:endParaRPr lang="en-US" altLang="ko-KR" dirty="0">
+              <a:solidFill>
+                <a:schemeClr val="tx1"/>
+              </a:solidFill>
+            </a:endParaRPr>
+          </a:p>
+          <a:p>
+            <a:pPr algn="ctr"/>
+            <a:r>
+              <a:rPr lang="en-US" altLang="ko-KR" dirty="0">
+                <a:solidFill>
+                  <a:schemeClr val="tx1"/>
+                </a:solidFill>
+              </a:rPr>
+              <a:t>PC001</a:t>
+            </a:r>
+            <a:endParaRPr lang="ko-KR" altLang="en-US" dirty="0">
+              <a:solidFill>
+                <a:schemeClr val="tx1"/>
+              </a:solidFill>
+            </a:endParaRPr>
           </a:p>
         </p:txBody>
       </p:sp>
+      <p:sp>
+        <p:nvSpPr>
+          <p:cNvPr id="7" name="직사각형 6">
+            <a:extLst>
+              <a:ext uri="{FF2B5EF4-FFF2-40B4-BE49-F238E27FC236}">
+                <a16:creationId xmlns:a16="http://schemas.microsoft.com/office/drawing/2014/main" id="{9400E7E3-864D-4E2D-7DD8-4BCE5F9C809E}"/>
+              </a:ext>
+            </a:extLst>
+          </p:cNvPr>
+          <p:cNvSpPr/>
+          <p:nvPr/>
+        </p:nvSpPr>
+        <p:spPr>
+          <a:xfrm>
+            <a:off x="1600200" y="2745308"/>
+            <a:ext cx="1905000" cy="609600"/>
+          </a:xfrm>
+          <a:prstGeom prst="rect">
+            <a:avLst/>
+          </a:prstGeom>
+          <a:noFill/>
+        </p:spPr>
+        <p:style>
+          <a:lnRef idx="2">
+            <a:schemeClr val="accent1">
+              <a:shade val="15000"/>
+            </a:schemeClr>
+          </a:lnRef>
+          <a:fillRef idx="1">
+            <a:schemeClr val="accent1"/>
+          </a:fillRef>
+          <a:effectRef idx="0">
+            <a:schemeClr val="accent1"/>
+          </a:effectRef>
+          <a:fontRef idx="minor">
+            <a:schemeClr val="lt1"/>
+          </a:fontRef>
+        </p:style>
+        <p:txBody>
+          <a:bodyPr rtlCol="0" anchor="ctr"/>
+          <a:lstStyle/>
+          <a:p>
+            <a:pPr algn="ctr"/>
+            <a:r>
+              <a:rPr lang="ko-KR" altLang="en-US" dirty="0" err="1">
+                <a:solidFill>
+                  <a:schemeClr val="tx1"/>
+                </a:solidFill>
+              </a:rPr>
+              <a:t>피드</a:t>
+            </a:r>
+            <a:endParaRPr lang="en-US" altLang="ko-KR" dirty="0">
+              <a:solidFill>
+                <a:schemeClr val="tx1"/>
+              </a:solidFill>
+            </a:endParaRPr>
+          </a:p>
+          <a:p>
+            <a:pPr algn="ctr"/>
+            <a:r>
+              <a:rPr lang="en-US" altLang="ko-KR" dirty="0">
+                <a:solidFill>
+                  <a:schemeClr val="tx1"/>
+                </a:solidFill>
+              </a:rPr>
+              <a:t>(PP001)</a:t>
+            </a:r>
+            <a:endParaRPr lang="ko-KR" altLang="en-US" dirty="0">
+              <a:solidFill>
+                <a:schemeClr val="tx1"/>
+              </a:solidFill>
+            </a:endParaRPr>
+          </a:p>
+        </p:txBody>
+      </p:sp>
+      <p:sp>
+        <p:nvSpPr>
+          <p:cNvPr id="8" name="직사각형 7">
+            <a:extLst>
+              <a:ext uri="{FF2B5EF4-FFF2-40B4-BE49-F238E27FC236}">
+                <a16:creationId xmlns:a16="http://schemas.microsoft.com/office/drawing/2014/main" id="{DB26595D-FE54-20CB-A4DB-4C64648C5979}"/>
+              </a:ext>
+            </a:extLst>
+          </p:cNvPr>
+          <p:cNvSpPr/>
+          <p:nvPr/>
+        </p:nvSpPr>
+        <p:spPr>
+          <a:xfrm>
+            <a:off x="1600200" y="4381500"/>
+            <a:ext cx="1905000" cy="609600"/>
+          </a:xfrm>
+          <a:prstGeom prst="rect">
+            <a:avLst/>
+          </a:prstGeom>
+          <a:noFill/>
+        </p:spPr>
+        <p:style>
+          <a:lnRef idx="2">
+            <a:schemeClr val="accent1">
+              <a:shade val="15000"/>
+            </a:schemeClr>
+          </a:lnRef>
+          <a:fillRef idx="1">
+            <a:schemeClr val="accent1"/>
+          </a:fillRef>
+          <a:effectRef idx="0">
+            <a:schemeClr val="accent1"/>
+          </a:effectRef>
+          <a:fontRef idx="minor">
+            <a:schemeClr val="lt1"/>
+          </a:fontRef>
+        </p:style>
+        <p:txBody>
+          <a:bodyPr rtlCol="0" anchor="ctr"/>
+          <a:lstStyle/>
+          <a:p>
+            <a:pPr algn="ctr"/>
+            <a:r>
+              <a:rPr lang="ko-KR" altLang="en-US" dirty="0" err="1">
+                <a:solidFill>
+                  <a:schemeClr val="tx1"/>
+                </a:solidFill>
+              </a:rPr>
+              <a:t>피킹</a:t>
+            </a:r>
+            <a:endParaRPr lang="en-US" altLang="ko-KR" dirty="0">
+              <a:solidFill>
+                <a:schemeClr val="tx1"/>
+              </a:solidFill>
+            </a:endParaRPr>
+          </a:p>
+          <a:p>
+            <a:pPr algn="ctr"/>
+            <a:r>
+              <a:rPr lang="en-US" altLang="ko-KR" dirty="0">
+                <a:solidFill>
+                  <a:schemeClr val="tx1"/>
+                </a:solidFill>
+              </a:rPr>
+              <a:t>PK001</a:t>
+            </a:r>
+            <a:endParaRPr lang="ko-KR" altLang="en-US" dirty="0">
+              <a:solidFill>
+                <a:schemeClr val="tx1"/>
+              </a:solidFill>
+            </a:endParaRPr>
+          </a:p>
+        </p:txBody>
+      </p:sp>
+      <p:sp>
+        <p:nvSpPr>
+          <p:cNvPr id="22" name="직사각형 21">
+            <a:extLst>
+              <a:ext uri="{FF2B5EF4-FFF2-40B4-BE49-F238E27FC236}">
+                <a16:creationId xmlns:a16="http://schemas.microsoft.com/office/drawing/2014/main" id="{62B7BAC5-801B-9E54-DFDF-7D6A86ABA3C5}"/>
+              </a:ext>
+            </a:extLst>
+          </p:cNvPr>
+          <p:cNvSpPr/>
+          <p:nvPr/>
+        </p:nvSpPr>
+        <p:spPr>
+          <a:xfrm>
+            <a:off x="4648200" y="2019300"/>
+            <a:ext cx="1905000" cy="609600"/>
+          </a:xfrm>
+          <a:prstGeom prst="rect">
+            <a:avLst/>
+          </a:prstGeom>
+          <a:noFill/>
+        </p:spPr>
+        <p:style>
+          <a:lnRef idx="2">
+            <a:schemeClr val="accent1">
+              <a:shade val="15000"/>
+            </a:schemeClr>
+          </a:lnRef>
+          <a:fillRef idx="1">
+            <a:schemeClr val="accent1"/>
+          </a:fillRef>
+          <a:effectRef idx="0">
+            <a:schemeClr val="accent1"/>
+          </a:effectRef>
+          <a:fontRef idx="minor">
+            <a:schemeClr val="lt1"/>
+          </a:fontRef>
+        </p:style>
+        <p:txBody>
+          <a:bodyPr rtlCol="0" anchor="ctr"/>
+          <a:lstStyle/>
+          <a:p>
+            <a:pPr algn="ctr"/>
+            <a:r>
+              <a:rPr lang="ko-KR" altLang="en-US" dirty="0">
+                <a:solidFill>
+                  <a:schemeClr val="tx1"/>
+                </a:solidFill>
+              </a:rPr>
+              <a:t> 투표 목록</a:t>
+            </a:r>
+            <a:endParaRPr lang="en-US" altLang="ko-KR" dirty="0">
+              <a:solidFill>
+                <a:schemeClr val="tx1"/>
+              </a:solidFill>
+            </a:endParaRPr>
+          </a:p>
+          <a:p>
+            <a:pPr algn="ctr"/>
+            <a:r>
+              <a:rPr lang="en-US" altLang="ko-KR" dirty="0">
+                <a:solidFill>
+                  <a:schemeClr val="tx1"/>
+                </a:solidFill>
+              </a:rPr>
+              <a:t>(PP001)</a:t>
+            </a:r>
+            <a:endParaRPr lang="ko-KR" altLang="en-US" dirty="0">
+              <a:solidFill>
+                <a:schemeClr val="tx1"/>
+              </a:solidFill>
+            </a:endParaRPr>
+          </a:p>
+        </p:txBody>
+      </p:sp>
+      <p:sp>
+        <p:nvSpPr>
+          <p:cNvPr id="23" name="직사각형 22">
+            <a:extLst>
+              <a:ext uri="{FF2B5EF4-FFF2-40B4-BE49-F238E27FC236}">
+                <a16:creationId xmlns:a16="http://schemas.microsoft.com/office/drawing/2014/main" id="{CB6D11F7-E08D-D003-FCC2-E504431B3B9B}"/>
+              </a:ext>
+            </a:extLst>
+          </p:cNvPr>
+          <p:cNvSpPr/>
+          <p:nvPr/>
+        </p:nvSpPr>
+        <p:spPr>
+          <a:xfrm>
+            <a:off x="8001000" y="2019300"/>
+            <a:ext cx="1905000" cy="609600"/>
+          </a:xfrm>
+          <a:prstGeom prst="rect">
+            <a:avLst/>
+          </a:prstGeom>
+          <a:noFill/>
+        </p:spPr>
+        <p:style>
+          <a:lnRef idx="2">
+            <a:schemeClr val="accent1">
+              <a:shade val="15000"/>
+            </a:schemeClr>
+          </a:lnRef>
+          <a:fillRef idx="1">
+            <a:schemeClr val="accent1"/>
+          </a:fillRef>
+          <a:effectRef idx="0">
+            <a:schemeClr val="accent1"/>
+          </a:effectRef>
+          <a:fontRef idx="minor">
+            <a:schemeClr val="lt1"/>
+          </a:fontRef>
+        </p:style>
+        <p:txBody>
+          <a:bodyPr rtlCol="0" anchor="ctr"/>
+          <a:lstStyle/>
+          <a:p>
+            <a:pPr algn="ctr"/>
+            <a:r>
+              <a:rPr lang="ko-KR" altLang="en-US" dirty="0">
+                <a:solidFill>
+                  <a:schemeClr val="tx1"/>
+                </a:solidFill>
+              </a:rPr>
+              <a:t>댓글</a:t>
+            </a:r>
+          </a:p>
+        </p:txBody>
+      </p:sp>
+      <p:cxnSp>
+        <p:nvCxnSpPr>
+          <p:cNvPr id="3" name="연결선: 꺾임 2">
+            <a:extLst>
+              <a:ext uri="{FF2B5EF4-FFF2-40B4-BE49-F238E27FC236}">
+                <a16:creationId xmlns:a16="http://schemas.microsoft.com/office/drawing/2014/main" id="{5907D2C7-7438-666B-F5F5-BC22B54EF2D2}"/>
+              </a:ext>
+            </a:extLst>
+          </p:cNvPr>
+          <p:cNvCxnSpPr>
+            <a:cxnSpLocks/>
+            <a:stCxn id="7" idx="3"/>
+            <a:endCxn id="22" idx="1"/>
+          </p:cNvCxnSpPr>
+          <p:nvPr/>
+        </p:nvCxnSpPr>
+        <p:spPr>
+          <a:xfrm flipV="1">
+            <a:off x="3505200" y="2324100"/>
+            <a:ext cx="1143000" cy="726008"/>
+          </a:xfrm>
+          <a:prstGeom prst="bentConnector3">
+            <a:avLst>
+              <a:gd name="adj1" fmla="val 50000"/>
+            </a:avLst>
+          </a:prstGeom>
+          <a:ln>
+            <a:tailEnd type="triangle"/>
+          </a:ln>
+        </p:spPr>
+        <p:style>
+          <a:lnRef idx="1">
+            <a:schemeClr val="dk1"/>
+          </a:lnRef>
+          <a:fillRef idx="0">
+            <a:schemeClr val="dk1"/>
+          </a:fillRef>
+          <a:effectRef idx="0">
+            <a:schemeClr val="dk1"/>
+          </a:effectRef>
+          <a:fontRef idx="minor">
+            <a:schemeClr val="tx1"/>
+          </a:fontRef>
+        </p:style>
+      </p:cxnSp>
+      <p:cxnSp>
+        <p:nvCxnSpPr>
+          <p:cNvPr id="10" name="연결선: 꺾임 9">
+            <a:extLst>
+              <a:ext uri="{FF2B5EF4-FFF2-40B4-BE49-F238E27FC236}">
+                <a16:creationId xmlns:a16="http://schemas.microsoft.com/office/drawing/2014/main" id="{25A3A09F-D6B0-479F-6237-42CA58B0D01B}"/>
+              </a:ext>
+            </a:extLst>
+          </p:cNvPr>
+          <p:cNvCxnSpPr>
+            <a:cxnSpLocks/>
+            <a:stCxn id="22" idx="3"/>
+            <a:endCxn id="23" idx="1"/>
+          </p:cNvCxnSpPr>
+          <p:nvPr/>
+        </p:nvCxnSpPr>
+        <p:spPr>
+          <a:xfrm>
+            <a:off x="6553200" y="2324100"/>
+            <a:ext cx="1447800" cy="12700"/>
+          </a:xfrm>
+          <a:prstGeom prst="bentConnector3">
+            <a:avLst>
+              <a:gd name="adj1" fmla="val 50000"/>
+            </a:avLst>
+          </a:prstGeom>
+          <a:ln>
+            <a:tailEnd type="triangle"/>
+          </a:ln>
+        </p:spPr>
+        <p:style>
+          <a:lnRef idx="1">
+            <a:schemeClr val="dk1"/>
+          </a:lnRef>
+          <a:fillRef idx="0">
+            <a:schemeClr val="dk1"/>
+          </a:fillRef>
+          <a:effectRef idx="0">
+            <a:schemeClr val="dk1"/>
+          </a:effectRef>
+          <a:fontRef idx="minor">
+            <a:schemeClr val="tx1"/>
+          </a:fontRef>
+        </p:style>
+      </p:cxnSp>
+      <p:sp>
+        <p:nvSpPr>
+          <p:cNvPr id="18" name="직사각형 17">
+            <a:extLst>
+              <a:ext uri="{FF2B5EF4-FFF2-40B4-BE49-F238E27FC236}">
+                <a16:creationId xmlns:a16="http://schemas.microsoft.com/office/drawing/2014/main" id="{6E4A62E4-5BD5-BB4C-9E50-F9BD57D10FD0}"/>
+              </a:ext>
+            </a:extLst>
+          </p:cNvPr>
+          <p:cNvSpPr/>
+          <p:nvPr/>
+        </p:nvSpPr>
+        <p:spPr>
+          <a:xfrm>
+            <a:off x="1600200" y="6286500"/>
+            <a:ext cx="1905000" cy="609600"/>
+          </a:xfrm>
+          <a:prstGeom prst="rect">
+            <a:avLst/>
+          </a:prstGeom>
+          <a:noFill/>
+        </p:spPr>
+        <p:style>
+          <a:lnRef idx="2">
+            <a:schemeClr val="accent1">
+              <a:shade val="15000"/>
+            </a:schemeClr>
+          </a:lnRef>
+          <a:fillRef idx="1">
+            <a:schemeClr val="accent1"/>
+          </a:fillRef>
+          <a:effectRef idx="0">
+            <a:schemeClr val="accent1"/>
+          </a:effectRef>
+          <a:fontRef idx="minor">
+            <a:schemeClr val="lt1"/>
+          </a:fontRef>
+        </p:style>
+        <p:txBody>
+          <a:bodyPr rtlCol="0" anchor="ctr"/>
+          <a:lstStyle/>
+          <a:p>
+            <a:pPr algn="ctr"/>
+            <a:r>
+              <a:rPr lang="ko-KR" altLang="en-US" dirty="0" err="1">
+                <a:solidFill>
+                  <a:schemeClr val="tx1"/>
+                </a:solidFill>
+              </a:rPr>
+              <a:t>서치</a:t>
+            </a:r>
+            <a:endParaRPr lang="en-US" altLang="ko-KR" dirty="0">
+              <a:solidFill>
+                <a:schemeClr val="tx1"/>
+              </a:solidFill>
+            </a:endParaRPr>
+          </a:p>
+          <a:p>
+            <a:pPr algn="ctr"/>
+            <a:r>
+              <a:rPr lang="en-US" altLang="ko-KR" dirty="0">
+                <a:solidFill>
+                  <a:schemeClr val="tx1"/>
+                </a:solidFill>
+              </a:rPr>
+              <a:t>PS001</a:t>
+            </a:r>
+            <a:endParaRPr lang="ko-KR" altLang="en-US" dirty="0">
+              <a:solidFill>
+                <a:schemeClr val="tx1"/>
+              </a:solidFill>
+            </a:endParaRPr>
+          </a:p>
+        </p:txBody>
+      </p:sp>
+      <p:sp>
+        <p:nvSpPr>
+          <p:cNvPr id="26" name="직사각형 25">
+            <a:extLst>
+              <a:ext uri="{FF2B5EF4-FFF2-40B4-BE49-F238E27FC236}">
+                <a16:creationId xmlns:a16="http://schemas.microsoft.com/office/drawing/2014/main" id="{F58BC607-0649-2A2B-8AC4-1962360CD666}"/>
+              </a:ext>
+            </a:extLst>
+          </p:cNvPr>
+          <p:cNvSpPr/>
+          <p:nvPr/>
+        </p:nvSpPr>
+        <p:spPr>
+          <a:xfrm>
+            <a:off x="4660206" y="8953500"/>
+            <a:ext cx="1905000" cy="609600"/>
+          </a:xfrm>
+          <a:prstGeom prst="rect">
+            <a:avLst/>
+          </a:prstGeom>
+          <a:noFill/>
+        </p:spPr>
+        <p:style>
+          <a:lnRef idx="2">
+            <a:schemeClr val="accent1">
+              <a:shade val="15000"/>
+            </a:schemeClr>
+          </a:lnRef>
+          <a:fillRef idx="1">
+            <a:schemeClr val="accent1"/>
+          </a:fillRef>
+          <a:effectRef idx="0">
+            <a:schemeClr val="accent1"/>
+          </a:effectRef>
+          <a:fontRef idx="minor">
+            <a:schemeClr val="lt1"/>
+          </a:fontRef>
+        </p:style>
+        <p:txBody>
+          <a:bodyPr rtlCol="0" anchor="ctr"/>
+          <a:lstStyle/>
+          <a:p>
+            <a:pPr algn="ctr"/>
+            <a:r>
+              <a:rPr lang="ko-KR" altLang="en-US" dirty="0">
+                <a:solidFill>
+                  <a:schemeClr val="tx1"/>
+                </a:solidFill>
+              </a:rPr>
+              <a:t>환경설정</a:t>
+            </a:r>
+            <a:endParaRPr lang="en-US" altLang="ko-KR" dirty="0">
+              <a:solidFill>
+                <a:schemeClr val="tx1"/>
+              </a:solidFill>
+            </a:endParaRPr>
+          </a:p>
+          <a:p>
+            <a:pPr algn="ctr"/>
+            <a:r>
+              <a:rPr lang="en-US" altLang="ko-KR" dirty="0">
+                <a:solidFill>
+                  <a:schemeClr val="tx1"/>
+                </a:solidFill>
+              </a:rPr>
+              <a:t>PS001</a:t>
+            </a:r>
+            <a:endParaRPr lang="ko-KR" altLang="en-US" dirty="0">
+              <a:solidFill>
+                <a:schemeClr val="tx1"/>
+              </a:solidFill>
+            </a:endParaRPr>
+          </a:p>
+        </p:txBody>
+      </p:sp>
+      <p:sp>
+        <p:nvSpPr>
+          <p:cNvPr id="27" name="직사각형 26">
+            <a:extLst>
+              <a:ext uri="{FF2B5EF4-FFF2-40B4-BE49-F238E27FC236}">
+                <a16:creationId xmlns:a16="http://schemas.microsoft.com/office/drawing/2014/main" id="{5557BD12-078F-FF53-675F-DABD5E2652A9}"/>
+              </a:ext>
+            </a:extLst>
+          </p:cNvPr>
+          <p:cNvSpPr/>
+          <p:nvPr/>
+        </p:nvSpPr>
+        <p:spPr>
+          <a:xfrm>
+            <a:off x="4648200" y="7505700"/>
+            <a:ext cx="1905000" cy="609600"/>
+          </a:xfrm>
+          <a:prstGeom prst="rect">
+            <a:avLst/>
+          </a:prstGeom>
+          <a:noFill/>
+        </p:spPr>
+        <p:style>
+          <a:lnRef idx="2">
+            <a:schemeClr val="accent1">
+              <a:shade val="15000"/>
+            </a:schemeClr>
+          </a:lnRef>
+          <a:fillRef idx="1">
+            <a:schemeClr val="accent1"/>
+          </a:fillRef>
+          <a:effectRef idx="0">
+            <a:schemeClr val="accent1"/>
+          </a:effectRef>
+          <a:fontRef idx="minor">
+            <a:schemeClr val="lt1"/>
+          </a:fontRef>
+        </p:style>
+        <p:txBody>
+          <a:bodyPr rtlCol="0" anchor="ctr"/>
+          <a:lstStyle/>
+          <a:p>
+            <a:pPr algn="ctr"/>
+            <a:r>
+              <a:rPr lang="ko-KR" altLang="en-US" dirty="0">
+                <a:solidFill>
+                  <a:schemeClr val="tx1"/>
+                </a:solidFill>
+              </a:rPr>
+              <a:t>프로필</a:t>
+            </a:r>
+            <a:endParaRPr lang="en-US" altLang="ko-KR" dirty="0">
+              <a:solidFill>
+                <a:schemeClr val="tx1"/>
+              </a:solidFill>
+            </a:endParaRPr>
+          </a:p>
+          <a:p>
+            <a:pPr algn="ctr"/>
+            <a:r>
+              <a:rPr lang="en-US" altLang="ko-KR" dirty="0">
+                <a:solidFill>
+                  <a:schemeClr val="tx1"/>
+                </a:solidFill>
+              </a:rPr>
+              <a:t>PC001</a:t>
+            </a:r>
+            <a:endParaRPr lang="ko-KR" altLang="en-US" dirty="0">
+              <a:solidFill>
+                <a:schemeClr val="tx1"/>
+              </a:solidFill>
+            </a:endParaRPr>
+          </a:p>
+        </p:txBody>
+      </p:sp>
+      <p:cxnSp>
+        <p:nvCxnSpPr>
+          <p:cNvPr id="28" name="연결선: 꺾임 27">
+            <a:extLst>
+              <a:ext uri="{FF2B5EF4-FFF2-40B4-BE49-F238E27FC236}">
+                <a16:creationId xmlns:a16="http://schemas.microsoft.com/office/drawing/2014/main" id="{C55ED900-E9A8-2060-1541-5CDA07B466FA}"/>
+              </a:ext>
+            </a:extLst>
+          </p:cNvPr>
+          <p:cNvCxnSpPr>
+            <a:cxnSpLocks/>
+            <a:endCxn id="27" idx="1"/>
+          </p:cNvCxnSpPr>
+          <p:nvPr/>
+        </p:nvCxnSpPr>
+        <p:spPr>
+          <a:xfrm flipV="1">
+            <a:off x="3485924" y="7810500"/>
+            <a:ext cx="1162276" cy="762000"/>
+          </a:xfrm>
+          <a:prstGeom prst="bentConnector3">
+            <a:avLst>
+              <a:gd name="adj1" fmla="val 50000"/>
+            </a:avLst>
+          </a:prstGeom>
+          <a:ln>
+            <a:tailEnd type="triangle"/>
+          </a:ln>
+        </p:spPr>
+        <p:style>
+          <a:lnRef idx="1">
+            <a:schemeClr val="dk1"/>
+          </a:lnRef>
+          <a:fillRef idx="0">
+            <a:schemeClr val="dk1"/>
+          </a:fillRef>
+          <a:effectRef idx="0">
+            <a:schemeClr val="dk1"/>
+          </a:effectRef>
+          <a:fontRef idx="minor">
+            <a:schemeClr val="tx1"/>
+          </a:fontRef>
+        </p:style>
+      </p:cxnSp>
+      <p:cxnSp>
+        <p:nvCxnSpPr>
+          <p:cNvPr id="29" name="연결선: 꺾임 28">
+            <a:extLst>
+              <a:ext uri="{FF2B5EF4-FFF2-40B4-BE49-F238E27FC236}">
+                <a16:creationId xmlns:a16="http://schemas.microsoft.com/office/drawing/2014/main" id="{AB3549E1-25BE-BF39-5A74-5288CE6E50F8}"/>
+              </a:ext>
+            </a:extLst>
+          </p:cNvPr>
+          <p:cNvCxnSpPr>
+            <a:cxnSpLocks/>
+            <a:endCxn id="26" idx="1"/>
+          </p:cNvCxnSpPr>
+          <p:nvPr/>
+        </p:nvCxnSpPr>
+        <p:spPr>
+          <a:xfrm>
+            <a:off x="3485924" y="8572500"/>
+            <a:ext cx="1174282" cy="685800"/>
+          </a:xfrm>
+          <a:prstGeom prst="bentConnector3">
+            <a:avLst>
+              <a:gd name="adj1" fmla="val 50000"/>
+            </a:avLst>
+          </a:prstGeom>
+          <a:ln>
+            <a:tailEnd type="triangle"/>
+          </a:ln>
+        </p:spPr>
+        <p:style>
+          <a:lnRef idx="1">
+            <a:schemeClr val="dk1"/>
+          </a:lnRef>
+          <a:fillRef idx="0">
+            <a:schemeClr val="dk1"/>
+          </a:fillRef>
+          <a:effectRef idx="0">
+            <a:schemeClr val="dk1"/>
+          </a:effectRef>
+          <a:fontRef idx="minor">
+            <a:schemeClr val="tx1"/>
+          </a:fontRef>
+        </p:style>
+      </p:cxnSp>
+      <p:sp>
+        <p:nvSpPr>
+          <p:cNvPr id="4" name="직사각형 3">
+            <a:extLst>
+              <a:ext uri="{FF2B5EF4-FFF2-40B4-BE49-F238E27FC236}">
+                <a16:creationId xmlns:a16="http://schemas.microsoft.com/office/drawing/2014/main" id="{6B4BEB73-CC4D-2BE8-E7E9-22B0BF705478}"/>
+              </a:ext>
+            </a:extLst>
+          </p:cNvPr>
+          <p:cNvSpPr/>
+          <p:nvPr/>
+        </p:nvSpPr>
+        <p:spPr>
+          <a:xfrm>
+            <a:off x="8001000" y="6286500"/>
+            <a:ext cx="1905000" cy="609600"/>
+          </a:xfrm>
+          <a:prstGeom prst="rect">
+            <a:avLst/>
+          </a:prstGeom>
+          <a:noFill/>
+        </p:spPr>
+        <p:style>
+          <a:lnRef idx="2">
+            <a:schemeClr val="accent1">
+              <a:shade val="15000"/>
+            </a:schemeClr>
+          </a:lnRef>
+          <a:fillRef idx="1">
+            <a:schemeClr val="accent1"/>
+          </a:fillRef>
+          <a:effectRef idx="0">
+            <a:schemeClr val="accent1"/>
+          </a:effectRef>
+          <a:fontRef idx="minor">
+            <a:schemeClr val="lt1"/>
+          </a:fontRef>
+        </p:style>
+        <p:txBody>
+          <a:bodyPr rtlCol="0" anchor="ctr"/>
+          <a:lstStyle/>
+          <a:p>
+            <a:pPr algn="ctr"/>
+            <a:r>
+              <a:rPr lang="ko-KR" altLang="en-US" dirty="0">
+                <a:solidFill>
+                  <a:schemeClr val="tx1"/>
+                </a:solidFill>
+              </a:rPr>
+              <a:t>유저 목록</a:t>
+            </a:r>
+          </a:p>
+        </p:txBody>
+      </p:sp>
+      <p:cxnSp>
+        <p:nvCxnSpPr>
+          <p:cNvPr id="9" name="연결선: 꺾임 8">
+            <a:extLst>
+              <a:ext uri="{FF2B5EF4-FFF2-40B4-BE49-F238E27FC236}">
+                <a16:creationId xmlns:a16="http://schemas.microsoft.com/office/drawing/2014/main" id="{57436362-6F9B-30C2-9B85-17C6798CE325}"/>
+              </a:ext>
+            </a:extLst>
+          </p:cNvPr>
+          <p:cNvCxnSpPr>
+            <a:cxnSpLocks/>
+            <a:stCxn id="18" idx="3"/>
+            <a:endCxn id="4" idx="1"/>
+          </p:cNvCxnSpPr>
+          <p:nvPr/>
+        </p:nvCxnSpPr>
+        <p:spPr>
+          <a:xfrm>
+            <a:off x="3505200" y="6591300"/>
+            <a:ext cx="4495800" cy="12700"/>
+          </a:xfrm>
+          <a:prstGeom prst="bentConnector3">
+            <a:avLst>
+              <a:gd name="adj1" fmla="val 50000"/>
+            </a:avLst>
+          </a:prstGeom>
+          <a:ln>
+            <a:tailEnd type="triangle"/>
+          </a:ln>
+        </p:spPr>
+        <p:style>
+          <a:lnRef idx="1">
+            <a:schemeClr val="dk1"/>
+          </a:lnRef>
+          <a:fillRef idx="0">
+            <a:schemeClr val="dk1"/>
+          </a:fillRef>
+          <a:effectRef idx="0">
+            <a:schemeClr val="dk1"/>
+          </a:effectRef>
+          <a:fontRef idx="minor">
+            <a:schemeClr val="tx1"/>
+          </a:fontRef>
+        </p:style>
+      </p:cxnSp>
+      <p:cxnSp>
+        <p:nvCxnSpPr>
+          <p:cNvPr id="32" name="직선 화살표 연결선 31">
+            <a:extLst>
+              <a:ext uri="{FF2B5EF4-FFF2-40B4-BE49-F238E27FC236}">
+                <a16:creationId xmlns:a16="http://schemas.microsoft.com/office/drawing/2014/main" id="{BBAD99B9-6DA5-1123-2636-725978ACDE73}"/>
+              </a:ext>
+            </a:extLst>
+          </p:cNvPr>
+          <p:cNvCxnSpPr>
+            <a:cxnSpLocks/>
+            <a:stCxn id="8" idx="3"/>
+            <a:endCxn id="27" idx="0"/>
+          </p:cNvCxnSpPr>
+          <p:nvPr/>
+        </p:nvCxnSpPr>
+        <p:spPr>
+          <a:xfrm>
+            <a:off x="3505200" y="4686300"/>
+            <a:ext cx="2095500" cy="2819400"/>
+          </a:xfrm>
+          <a:prstGeom prst="straightConnector1">
+            <a:avLst/>
+          </a:prstGeom>
+          <a:ln>
+            <a:solidFill>
+              <a:srgbClr val="FF0000"/>
+            </a:solidFill>
+            <a:prstDash val="dash"/>
+            <a:tailEnd type="triangle"/>
+          </a:ln>
+        </p:spPr>
+        <p:style>
+          <a:lnRef idx="1">
+            <a:schemeClr val="accent1"/>
+          </a:lnRef>
+          <a:fillRef idx="0">
+            <a:schemeClr val="accent1"/>
+          </a:fillRef>
+          <a:effectRef idx="0">
+            <a:schemeClr val="accent1"/>
+          </a:effectRef>
+          <a:fontRef idx="minor">
+            <a:schemeClr val="tx1"/>
+          </a:fontRef>
+        </p:style>
+      </p:cxnSp>
+      <p:cxnSp>
+        <p:nvCxnSpPr>
+          <p:cNvPr id="35" name="직선 화살표 연결선 34">
+            <a:extLst>
+              <a:ext uri="{FF2B5EF4-FFF2-40B4-BE49-F238E27FC236}">
+                <a16:creationId xmlns:a16="http://schemas.microsoft.com/office/drawing/2014/main" id="{B9202F01-9D0D-C005-7B69-71BF48DF714F}"/>
+              </a:ext>
+            </a:extLst>
+          </p:cNvPr>
+          <p:cNvCxnSpPr>
+            <a:cxnSpLocks/>
+            <a:stCxn id="27" idx="3"/>
+            <a:endCxn id="4" idx="2"/>
+          </p:cNvCxnSpPr>
+          <p:nvPr/>
+        </p:nvCxnSpPr>
+        <p:spPr>
+          <a:xfrm flipV="1">
+            <a:off x="6553200" y="6896100"/>
+            <a:ext cx="2400300" cy="914400"/>
+          </a:xfrm>
+          <a:prstGeom prst="straightConnector1">
+            <a:avLst/>
+          </a:prstGeom>
+          <a:ln>
+            <a:solidFill>
+              <a:srgbClr val="FF0000"/>
+            </a:solidFill>
+            <a:prstDash val="dash"/>
+            <a:tailEnd type="triangle"/>
+          </a:ln>
+        </p:spPr>
+        <p:style>
+          <a:lnRef idx="1">
+            <a:schemeClr val="accent1"/>
+          </a:lnRef>
+          <a:fillRef idx="0">
+            <a:schemeClr val="accent1"/>
+          </a:fillRef>
+          <a:effectRef idx="0">
+            <a:schemeClr val="accent1"/>
+          </a:effectRef>
+          <a:fontRef idx="minor">
+            <a:schemeClr val="tx1"/>
+          </a:fontRef>
+        </p:style>
+      </p:cxnSp>
+      <p:cxnSp>
+        <p:nvCxnSpPr>
+          <p:cNvPr id="38" name="직선 화살표 연결선 37">
+            <a:extLst>
+              <a:ext uri="{FF2B5EF4-FFF2-40B4-BE49-F238E27FC236}">
+                <a16:creationId xmlns:a16="http://schemas.microsoft.com/office/drawing/2014/main" id="{669952E8-B7FD-14B1-31F3-DDD9DB49AE0C}"/>
+              </a:ext>
+            </a:extLst>
+          </p:cNvPr>
+          <p:cNvCxnSpPr>
+            <a:cxnSpLocks/>
+            <a:stCxn id="8" idx="3"/>
+            <a:endCxn id="22" idx="2"/>
+          </p:cNvCxnSpPr>
+          <p:nvPr/>
+        </p:nvCxnSpPr>
+        <p:spPr>
+          <a:xfrm flipV="1">
+            <a:off x="3505200" y="2628900"/>
+            <a:ext cx="2095500" cy="2057400"/>
+          </a:xfrm>
+          <a:prstGeom prst="straightConnector1">
+            <a:avLst/>
+          </a:prstGeom>
+          <a:ln>
+            <a:solidFill>
+              <a:srgbClr val="FF0000"/>
+            </a:solidFill>
+            <a:prstDash val="dash"/>
+            <a:tailEnd type="triangle"/>
+          </a:ln>
+        </p:spPr>
+        <p:style>
+          <a:lnRef idx="1">
+            <a:schemeClr val="accent1"/>
+          </a:lnRef>
+          <a:fillRef idx="0">
+            <a:schemeClr val="accent1"/>
+          </a:fillRef>
+          <a:effectRef idx="0">
+            <a:schemeClr val="accent1"/>
+          </a:effectRef>
+          <a:fontRef idx="minor">
+            <a:schemeClr val="tx1"/>
+          </a:fontRef>
+        </p:style>
+      </p:cxnSp>
+      <p:cxnSp>
+        <p:nvCxnSpPr>
+          <p:cNvPr id="41" name="직선 화살표 연결선 40">
+            <a:extLst>
+              <a:ext uri="{FF2B5EF4-FFF2-40B4-BE49-F238E27FC236}">
+                <a16:creationId xmlns:a16="http://schemas.microsoft.com/office/drawing/2014/main" id="{ED3781FF-496D-8010-0289-4450D2A6A826}"/>
+              </a:ext>
+            </a:extLst>
+          </p:cNvPr>
+          <p:cNvCxnSpPr>
+            <a:cxnSpLocks/>
+            <a:stCxn id="23" idx="2"/>
+            <a:endCxn id="4" idx="0"/>
+          </p:cNvCxnSpPr>
+          <p:nvPr/>
+        </p:nvCxnSpPr>
+        <p:spPr>
+          <a:xfrm>
+            <a:off x="8953500" y="2628900"/>
+            <a:ext cx="0" cy="3657600"/>
+          </a:xfrm>
+          <a:prstGeom prst="straightConnector1">
+            <a:avLst/>
+          </a:prstGeom>
+          <a:ln>
+            <a:solidFill>
+              <a:srgbClr val="FF0000"/>
+            </a:solidFill>
+            <a:prstDash val="dash"/>
+            <a:tailEnd type="triangle"/>
+          </a:ln>
+        </p:spPr>
+        <p:style>
+          <a:lnRef idx="1">
+            <a:schemeClr val="accent1"/>
+          </a:lnRef>
+          <a:fillRef idx="0">
+            <a:schemeClr val="accent1"/>
+          </a:fillRef>
+          <a:effectRef idx="0">
+            <a:schemeClr val="accent1"/>
+          </a:effectRef>
+          <a:fontRef idx="minor">
+            <a:schemeClr val="tx1"/>
+          </a:fontRef>
+        </p:style>
+      </p:cxnSp>
+      <p:cxnSp>
+        <p:nvCxnSpPr>
+          <p:cNvPr id="45" name="직선 화살표 연결선 44">
+            <a:extLst>
+              <a:ext uri="{FF2B5EF4-FFF2-40B4-BE49-F238E27FC236}">
+                <a16:creationId xmlns:a16="http://schemas.microsoft.com/office/drawing/2014/main" id="{B11FFEF4-F80E-EDD5-7CBD-F7796E3E69F4}"/>
+              </a:ext>
+            </a:extLst>
+          </p:cNvPr>
+          <p:cNvCxnSpPr>
+            <a:cxnSpLocks/>
+            <a:stCxn id="22" idx="2"/>
+            <a:endCxn id="27" idx="0"/>
+          </p:cNvCxnSpPr>
+          <p:nvPr/>
+        </p:nvCxnSpPr>
+        <p:spPr>
+          <a:xfrm>
+            <a:off x="5600700" y="2628900"/>
+            <a:ext cx="0" cy="4876800"/>
+          </a:xfrm>
+          <a:prstGeom prst="straightConnector1">
+            <a:avLst/>
+          </a:prstGeom>
+          <a:ln>
+            <a:solidFill>
+              <a:srgbClr val="FF0000"/>
+            </a:solidFill>
+            <a:prstDash val="dash"/>
+            <a:tailEnd type="triangle"/>
+          </a:ln>
+        </p:spPr>
+        <p:style>
+          <a:lnRef idx="1">
+            <a:schemeClr val="accent1"/>
+          </a:lnRef>
+          <a:fillRef idx="0">
+            <a:schemeClr val="accent1"/>
+          </a:fillRef>
+          <a:effectRef idx="0">
+            <a:schemeClr val="accent1"/>
+          </a:effectRef>
+          <a:fontRef idx="minor">
+            <a:schemeClr val="tx1"/>
+          </a:fontRef>
+        </p:style>
+      </p:cxnSp>
     </p:spTree>
     <p:extLst>
       <p:ext uri="{BB962C8B-B14F-4D97-AF65-F5344CB8AC3E}">
-        <p14:creationId xmlns:p14="http://schemas.microsoft.com/office/powerpoint/2010/main" val="1624558891"/>
+        <p14:creationId xmlns:p14="http://schemas.microsoft.com/office/powerpoint/2010/main" val="2468952661"/>
       </p:ext>
     </p:extLst>
   </p:cSld>
